--- a/Workshops/WelcomePresentation.pptx
+++ b/Workshops/WelcomePresentation.pptx
@@ -5,7 +5,7 @@
     <p:sldMasterId id="2147483648" r:id="rId1"/>
   </p:sldMasterIdLst>
   <p:notesMasterIdLst>
-    <p:NotesMasterId r:id="rId13"/>
+    <p:NotesMasterId r:id="rId12"/>
   </p:notesMasterIdLst>
   <p:sldIdLst>
     <p:sldId id="256" r:id="rId2"/>
@@ -18,7 +18,6 @@
     <p:sldId id="263" r:id="rId9"/>
     <p:sldId id="264" r:id="rId10"/>
     <p:sldId id="265" r:id="rId11"/>
-    <p:sldId id="266" r:id="rId12"/>
   </p:sldIdLst>
   <p:sldSz cx="12192000" cy="6858000"/>
   <p:notesSz cx="6858000" cy="9144000"/>
@@ -207,7 +206,7 @@
           <a:p>
             <a:fld id="{0F9C1CCF-B725-44A7-AA57-5E433BD85C9F}" type="datetimeFigureOut">
               <a:rPr lang="en-US" smtClean="0"/>
-              <a:t>4/5/2019</a:t>
+              <a:t>2/17/2018</a:t>
             </a:fld>
             <a:endParaRPr lang="en-US"/>
           </a:p>
@@ -1141,6 +1140,104 @@
             <a:fld id="{18BDFEC3-8487-43E8-A154-7C12CBC1FFF2}" type="slidenum">
               <a:rPr lang="en-US"/>
               <a:t>4</a:t>
+            </a:fld>
+            <a:endParaRPr lang="en-US"/>
+          </a:p>
+        </p:txBody>
+      </p:sp>
+    </p:spTree>
+  </p:cSld>
+</p:notes>
+</file>
+
+<file path=ppt/notesSlides/notesSlide3.xml><?xml version="1.0" encoding="utf-8"?>
+<p:notes xmlns:a="http://schemas.openxmlformats.org/drawingml/2006/main" xmlns:r="http://schemas.openxmlformats.org/officeDocument/2006/relationships" xmlns:p="http://schemas.openxmlformats.org/presentationml/2006/main">
+  <p:cSld>
+    <p:spTree>
+      <p:nvGrpSpPr>
+        <p:cNvPr id="1" name=""/>
+        <p:cNvGrpSpPr/>
+        <p:nvPr/>
+      </p:nvGrpSpPr>
+      <p:grpSpPr>
+        <a:xfrm>
+          <a:off x="0" y="0"/>
+          <a:ext cx="0" cy="0"/>
+          <a:chOff x="0" y="0"/>
+          <a:chExt cx="0" cy="0"/>
+        </a:xfrm>
+      </p:grpSpPr>
+      <p:sp>
+        <p:nvSpPr>
+          <p:cNvPr id="2" name="Slide Image Placeholder 1"/>
+          <p:cNvSpPr>
+            <a:spLocks noGrp="1" noRot="1" noChangeAspect="1"/>
+          </p:cNvSpPr>
+          <p:nvPr>
+            <p:ph type="sldImg"/>
+          </p:nvPr>
+        </p:nvSpPr>
+        <p:spPr/>
+      </p:sp>
+      <p:sp>
+        <p:nvSpPr>
+          <p:cNvPr id="3" name="Notes Placeholder 2"/>
+          <p:cNvSpPr>
+            <a:spLocks noGrp="1"/>
+          </p:cNvSpPr>
+          <p:nvPr>
+            <p:ph type="body" idx="1"/>
+          </p:nvPr>
+        </p:nvSpPr>
+        <p:spPr/>
+        <p:txBody>
+          <a:bodyPr/>
+          <a:lstStyle/>
+          <a:p>
+            <a:pPr lvl="0" marL="0" indent="0">
+              <a:buNone/>
+            </a:pPr>
+            <a:r>
+              <a:rPr/>
+              <a:t>Lunch</a:t>
+            </a:r>
+            <a:r>
+              <a:rPr/>
+              <a:t> </a:t>
+            </a:r>
+            <a:r>
+              <a:rPr/>
+              <a:t>is</a:t>
+            </a:r>
+            <a:r>
+              <a:rPr/>
+              <a:t> </a:t>
+            </a:r>
+            <a:r>
+              <a:rPr/>
+              <a:t>provided</a:t>
+            </a:r>
+          </a:p>
+        </p:txBody>
+      </p:sp>
+      <p:sp>
+        <p:nvSpPr>
+          <p:cNvPr id="4" name="Slide Number Placeholder 3"/>
+          <p:cNvSpPr>
+            <a:spLocks noGrp="1"/>
+          </p:cNvSpPr>
+          <p:nvPr>
+            <p:ph type="sldNum" sz="quarter" idx="10"/>
+          </p:nvPr>
+        </p:nvSpPr>
+        <p:spPr/>
+        <p:txBody>
+          <a:bodyPr/>
+          <a:lstStyle/>
+          <a:p>
+            <a:fld id="{18BDFEC3-8487-43E8-A154-7C12CBC1FFF2}" type="slidenum">
+              <a:rPr lang="en-US"/>
+              <a:t>5</a:t>
             </a:fld>
             <a:endParaRPr lang="en-US"/>
           </a:p>
@@ -4486,191 +4583,6 @@
           <p:cNvPr id="2" name="Title 1">
             <a:extLst>
               <a:ext uri="{FF2B5EF4-FFF2-40B4-BE49-F238E27FC236}">
-                <a16:creationId xmlns:a16="http://schemas.microsoft.com/office/drawing/2014/main" id="{5567D468-EE70-CD4E-A3AC-039CC11EF1FB}"/>
-              </a:ext>
-            </a:extLst>
-          </p:cNvPr>
-          <p:cNvSpPr>
-            <a:spLocks noGrp="1"/>
-          </p:cNvSpPr>
-          <p:nvPr>
-            <p:ph type="title"/>
-          </p:nvPr>
-        </p:nvSpPr>
-        <p:spPr/>
-        <p:txBody>
-          <a:bodyPr/>
-          <a:lstStyle/>
-          <a:p>
-            <a:pPr lvl="0" marL="0" indent="0">
-              <a:buNone/>
-            </a:pPr>
-            <a:r>
-              <a:rPr/>
-              <a:t>Final</a:t>
-            </a:r>
-            <a:r>
-              <a:rPr/>
-              <a:t> </a:t>
-            </a:r>
-            <a:r>
-              <a:rPr/>
-              <a:t>note</a:t>
-            </a:r>
-            <a:r>
-              <a:rPr/>
-              <a:t> </a:t>
-            </a:r>
-            <a:r>
-              <a:rPr/>
-              <a:t>-</a:t>
-            </a:r>
-            <a:r>
-              <a:rPr/>
-              <a:t> </a:t>
-            </a:r>
-            <a:r>
-              <a:rPr/>
-              <a:t>tips</a:t>
-            </a:r>
-            <a:r>
-              <a:rPr/>
-              <a:t> </a:t>
-            </a:r>
-            <a:r>
-              <a:rPr/>
-              <a:t>on</a:t>
-            </a:r>
-            <a:r>
-              <a:rPr/>
-              <a:t> </a:t>
-            </a:r>
-            <a:r>
-              <a:rPr/>
-              <a:t>writing</a:t>
-            </a:r>
-            <a:r>
-              <a:rPr/>
-              <a:t> </a:t>
-            </a:r>
-            <a:r>
-              <a:rPr/>
-              <a:t>code</a:t>
-            </a:r>
-          </a:p>
-        </p:txBody>
-      </p:sp>
-      <p:sp>
-        <p:nvSpPr>
-          <p:cNvPr id="3" name="Content Placeholder 2">
-            <a:extLst>
-              <a:ext uri="{FF2B5EF4-FFF2-40B4-BE49-F238E27FC236}">
-                <a16:creationId xmlns:a16="http://schemas.microsoft.com/office/drawing/2014/main" id="{D10DDA37-E46B-B641-BC9F-636CB92A2C08}"/>
-              </a:ext>
-            </a:extLst>
-          </p:cNvPr>
-          <p:cNvSpPr>
-            <a:spLocks noGrp="1"/>
-          </p:cNvSpPr>
-          <p:nvPr>
-            <p:ph idx="1"/>
-          </p:nvPr>
-        </p:nvSpPr>
-        <p:spPr/>
-        <p:txBody>
-          <a:bodyPr/>
-          <a:lstStyle/>
-          <a:p>
-            <a:pPr lvl="1"/>
-            <a:r>
-              <a:rPr/>
-              <a:t>Save your work where prompted by facilitator</a:t>
-            </a:r>
-          </a:p>
-          <a:p>
-            <a:pPr lvl="1"/>
-            <a:r>
-              <a:rPr/>
-              <a:t>It takes a while to get the hang of writing code.</a:t>
-            </a:r>
-          </a:p>
-          <a:p>
-            <a:pPr lvl="1"/>
-            <a:r>
-              <a:rPr/>
-              <a:t>There may be code glitches (erroneous </a:t>
-            </a:r>
-            <a:r>
-              <a:rPr sz="1800">
-                <a:latin typeface="Courier"/>
-              </a:rPr>
-              <a:t>()</a:t>
-            </a:r>
-            <a:r>
-              <a:rPr/>
-              <a:t> or </a:t>
-            </a:r>
-            <a:r>
-              <a:rPr sz="1800">
-                <a:latin typeface="Courier"/>
-              </a:rPr>
-              <a:t>,</a:t>
-            </a:r>
-            <a:r>
-              <a:rPr/>
-              <a:t>)</a:t>
-            </a:r>
-          </a:p>
-          <a:p>
-            <a:pPr lvl="1"/>
-            <a:r>
-              <a:rPr/>
-              <a:t>But that is part of coding.</a:t>
-            </a:r>
-          </a:p>
-          <a:p>
-            <a:pPr lvl="1"/>
-            <a:r>
-              <a:rPr/>
-              <a:t>Be mindful as you type them out</a:t>
-            </a:r>
-          </a:p>
-          <a:p>
-            <a:pPr lvl="1"/>
-            <a:r>
-              <a:rPr/>
-              <a:t>Tell us if you spot any we’ve made!</a:t>
-            </a:r>
-          </a:p>
-        </p:txBody>
-      </p:sp>
-    </p:spTree>
-  </p:cSld>
-</p:sld>
-</file>
-
-<file path=ppt/slides/slide11.xml><?xml version="1.0" encoding="utf-8"?>
-<p:sld xmlns:a="http://schemas.openxmlformats.org/drawingml/2006/main" xmlns:r="http://schemas.openxmlformats.org/officeDocument/2006/relationships" xmlns:p="http://schemas.openxmlformats.org/presentationml/2006/main">
-  <p:cSld>
-    <p:spTree>
-      <p:nvGrpSpPr>
-        <p:cNvPr id="1" name=""/>
-        <p:cNvGrpSpPr/>
-        <p:nvPr/>
-      </p:nvGrpSpPr>
-      <p:grpSpPr>
-        <a:xfrm>
-          <a:off x="0" y="0"/>
-          <a:ext cx="0" cy="0"/>
-          <a:chOff x="0" y="0"/>
-          <a:chExt cx="0" cy="0"/>
-        </a:xfrm>
-      </p:grpSpPr>
-      <p:sp>
-        <p:nvSpPr>
-          <p:cNvPr id="2" name="Title 1">
-            <a:extLst>
-              <a:ext uri="{FF2B5EF4-FFF2-40B4-BE49-F238E27FC236}">
                 <a16:creationId xmlns:a16="http://schemas.microsoft.com/office/drawing/2014/main" id="{33826130-253A-E043-BB2B-EC3ECCCD07F5}"/>
               </a:ext>
             </a:extLst>
@@ -4696,63 +4608,63 @@
               <a:buNone/>
             </a:pPr>
             <a:r>
-              <a:rPr/>
+              <a:rPr b="1"/>
               <a:t>Thank</a:t>
             </a:r>
             <a:r>
-              <a:rPr/>
-              <a:t> </a:t>
-            </a:r>
-            <a:r>
-              <a:rPr/>
+              <a:rPr b="1"/>
+              <a:t> </a:t>
+            </a:r>
+            <a:r>
+              <a:rPr b="1"/>
               <a:t>you.</a:t>
             </a:r>
             <a:r>
-              <a:rPr/>
-              <a:t> </a:t>
-            </a:r>
-            <a:r>
-              <a:rPr/>
+              <a:rPr b="1"/>
+              <a:t> </a:t>
+            </a:r>
+            <a:r>
+              <a:rPr b="1"/>
               <a:t>We</a:t>
             </a:r>
             <a:r>
-              <a:rPr/>
-              <a:t> </a:t>
-            </a:r>
-            <a:r>
-              <a:rPr/>
+              <a:rPr b="1"/>
+              <a:t> </a:t>
+            </a:r>
+            <a:r>
+              <a:rPr b="1"/>
               <a:t>hope</a:t>
             </a:r>
             <a:r>
-              <a:rPr/>
-              <a:t> </a:t>
-            </a:r>
-            <a:r>
-              <a:rPr/>
+              <a:rPr b="1"/>
+              <a:t> </a:t>
+            </a:r>
+            <a:r>
+              <a:rPr b="1"/>
               <a:t>you</a:t>
             </a:r>
             <a:r>
-              <a:rPr/>
-              <a:t> </a:t>
-            </a:r>
-            <a:r>
-              <a:rPr/>
+              <a:rPr b="1"/>
+              <a:t> </a:t>
+            </a:r>
+            <a:r>
+              <a:rPr b="1"/>
               <a:t>enjoy</a:t>
             </a:r>
             <a:r>
-              <a:rPr/>
-              <a:t> </a:t>
-            </a:r>
-            <a:r>
-              <a:rPr/>
+              <a:rPr b="1"/>
+              <a:t> </a:t>
+            </a:r>
+            <a:r>
+              <a:rPr b="1"/>
               <a:t>the</a:t>
             </a:r>
             <a:r>
-              <a:rPr/>
-              <a:t> </a:t>
-            </a:r>
-            <a:r>
-              <a:rPr/>
+              <a:rPr b="1"/>
+              <a:t> </a:t>
+            </a:r>
+            <a:r>
+              <a:rPr b="1"/>
               <a:t>course.</a:t>
             </a:r>
           </a:p>
@@ -5025,7 +4937,7 @@
             <a:pPr lvl="1"/>
             <a:r>
               <a:rPr/>
-              <a:t>Join the slack channel</a:t>
+              <a:t>Join the Slack channel</a:t>
             </a:r>
           </a:p>
           <a:p>
@@ -5085,15 +4997,31 @@
             </a:pPr>
             <a:r>
               <a:rPr/>
-              <a:t>Course</a:t>
-            </a:r>
-            <a:r>
-              <a:rPr/>
-              <a:t> </a:t>
-            </a:r>
-            <a:r>
-              <a:rPr/>
-              <a:t>schedule</a:t>
+              <a:t>Schedule</a:t>
+            </a:r>
+            <a:r>
+              <a:rPr/>
+              <a:t> </a:t>
+            </a:r>
+            <a:r>
+              <a:rPr/>
+              <a:t>-</a:t>
+            </a:r>
+            <a:r>
+              <a:rPr/>
+              <a:t> </a:t>
+            </a:r>
+            <a:r>
+              <a:rPr/>
+              <a:t>Day</a:t>
+            </a:r>
+            <a:r>
+              <a:rPr/>
+              <a:t> </a:t>
+            </a:r>
+            <a:r>
+              <a:rPr/>
+              <a:t>1</a:t>
             </a:r>
           </a:p>
         </p:txBody>
@@ -5122,14 +5050,49 @@
             <a:pPr lvl="1"/>
             <a:r>
               <a:rPr/>
-              <a:t>2 days of intensive learning</a:t>
+              <a:t>09:00 - 09:30: Start and welcome</a:t>
             </a:r>
           </a:p>
           <a:p>
             <a:pPr lvl="1"/>
             <a:r>
               <a:rPr/>
-              <a:t>Coffee and lunch provided</a:t>
+              <a:t>09:30 - 10:30: Workshop 1: Introduction to R</a:t>
+            </a:r>
+          </a:p>
+          <a:p>
+            <a:pPr lvl="1"/>
+            <a:r>
+              <a:rPr/>
+              <a:t>10:30 - 11:00: Coffee break</a:t>
+            </a:r>
+          </a:p>
+          <a:p>
+            <a:pPr lvl="1"/>
+            <a:r>
+              <a:rPr/>
+              <a:t>11:00 - 11:45: Workshop 2: Cleaning your dataset</a:t>
+            </a:r>
+          </a:p>
+          <a:p>
+            <a:pPr lvl="1"/>
+            <a:r>
+              <a:rPr/>
+              <a:t>11:45 - 13:00: Workshop 3: Getting your data into R</a:t>
+            </a:r>
+          </a:p>
+          <a:p>
+            <a:pPr lvl="1"/>
+            <a:r>
+              <a:rPr/>
+              <a:t>13:00 - 14:00: Lunch</a:t>
+            </a:r>
+          </a:p>
+          <a:p>
+            <a:pPr lvl="1"/>
+            <a:r>
+              <a:rPr/>
+              <a:t>14:00 - 16:30: Workshop 4: Data wrangling</a:t>
             </a:r>
           </a:p>
         </p:txBody>
@@ -5206,7 +5169,7 @@
             </a:r>
             <a:r>
               <a:rPr/>
-              <a:t>1</a:t>
+              <a:t>2</a:t>
             </a:r>
           </a:p>
         </p:txBody>
@@ -5235,49 +5198,42 @@
             <a:pPr lvl="1"/>
             <a:r>
               <a:rPr/>
-              <a:t>09:00 - 09:30: Start and Welcome</a:t>
+              <a:t>09:30 - 11:20: Workshop 5: Data visualisation</a:t>
             </a:r>
           </a:p>
           <a:p>
             <a:pPr lvl="1"/>
             <a:r>
               <a:rPr/>
-              <a:t>09:30 - 10:30: Workshop 1: Introduction to R</a:t>
+              <a:t>11:20 - 11:40: Coffee break</a:t>
             </a:r>
           </a:p>
           <a:p>
             <a:pPr lvl="1"/>
             <a:r>
               <a:rPr/>
-              <a:t>10:30 - 11:00: Coffee Break</a:t>
+              <a:t>11:40 - 12:20: Workshop 6: Statistics in R primer</a:t>
             </a:r>
           </a:p>
           <a:p>
             <a:pPr lvl="1"/>
             <a:r>
               <a:rPr/>
-              <a:t>11:00 - 11:45: Workshop 2: Cleaning your Dataset</a:t>
+              <a:t>12:20 - 13:30: Workshop 7: Control flow and looping</a:t>
             </a:r>
           </a:p>
           <a:p>
             <a:pPr lvl="1"/>
             <a:r>
               <a:rPr/>
-              <a:t>11:45 - 13:00: Workshop 3: Getting your Data into R</a:t>
+              <a:t>13:30 - 14:15: Lunch</a:t>
             </a:r>
           </a:p>
           <a:p>
             <a:pPr lvl="1"/>
             <a:r>
               <a:rPr/>
-              <a:t>13:00 - 14:00: Lunch</a:t>
-            </a:r>
-          </a:p>
-          <a:p>
-            <a:pPr lvl="1"/>
-            <a:r>
-              <a:rPr/>
-              <a:t>14:00 - 16:30: Workshop 4: Data Wrangling</a:t>
+              <a:t>14:15 - 16:00: Workshop 8: Using your own data</a:t>
             </a:r>
           </a:p>
         </p:txBody>
@@ -5330,31 +5286,15 @@
             </a:pPr>
             <a:r>
               <a:rPr/>
-              <a:t>Schedule</a:t>
-            </a:r>
-            <a:r>
-              <a:rPr/>
-              <a:t> </a:t>
-            </a:r>
-            <a:r>
-              <a:rPr/>
-              <a:t>-</a:t>
-            </a:r>
-            <a:r>
-              <a:rPr/>
-              <a:t> </a:t>
-            </a:r>
-            <a:r>
-              <a:rPr/>
-              <a:t>Day</a:t>
-            </a:r>
-            <a:r>
-              <a:rPr/>
-              <a:t> </a:t>
-            </a:r>
-            <a:r>
-              <a:rPr/>
-              <a:t>2</a:t>
+              <a:t>The</a:t>
+            </a:r>
+            <a:r>
+              <a:rPr/>
+              <a:t> </a:t>
+            </a:r>
+            <a:r>
+              <a:rPr/>
+              <a:t>data</a:t>
             </a:r>
           </a:p>
         </p:txBody>
@@ -5383,35 +5323,56 @@
             <a:pPr lvl="1"/>
             <a:r>
               <a:rPr/>
-              <a:t>09:30 - 11:20: Workshop 5: Data Visualisation</a:t>
+              <a:t>We use the Critical Care Health Informatics Collaborative dataset.</a:t>
             </a:r>
           </a:p>
           <a:p>
             <a:pPr lvl="1"/>
             <a:r>
               <a:rPr/>
-              <a:t>11:20 - 11:40: Coffee Break</a:t>
+              <a:t>Multicentre adult intensive therapy unit database</a:t>
+            </a:r>
+          </a:p>
+          <a:p>
+            <a:pPr lvl="2"/>
+            <a:r>
+              <a:rPr/>
+              <a:t>11 adult intensive care units</a:t>
+            </a:r>
+          </a:p>
+          <a:p>
+            <a:pPr lvl="2"/>
+            <a:r>
+              <a:rPr/>
+              <a:t>5 UK teaching hospitals</a:t>
+            </a:r>
+          </a:p>
+          <a:p>
+            <a:pPr lvl="2"/>
+            <a:r>
+              <a:rPr/>
+              <a:t>Privacy ensured through “highest standards of data security”</a:t>
+            </a:r>
+          </a:p>
+          <a:p>
+            <a:pPr lvl="2"/>
+            <a:r>
+              <a:rPr/>
+              <a:t>18, 074 unique patients</a:t>
             </a:r>
           </a:p>
           <a:p>
             <a:pPr lvl="1"/>
             <a:r>
               <a:rPr/>
-              <a:t>11:40 - 13:30: Workshop 6: Basic Satistics</a:t>
+              <a:t>You will be using a synthetically derived dataset structured in a simillar format to the CCHIC data.</a:t>
             </a:r>
           </a:p>
           <a:p>
             <a:pPr lvl="1"/>
             <a:r>
               <a:rPr/>
-              <a:t>13:30 - 14:15: Lunch</a:t>
-            </a:r>
-          </a:p>
-          <a:p>
-            <a:pPr lvl="1"/>
-            <a:r>
-              <a:rPr/>
-              <a:t>14:15 - 16:00: Workshop 7: Using your own Data</a:t>
+              <a:t>Data looks real, but isn’t.</a:t>
             </a:r>
           </a:p>
         </p:txBody>
@@ -5464,15 +5425,15 @@
             </a:pPr>
             <a:r>
               <a:rPr/>
-              <a:t>The</a:t>
-            </a:r>
-            <a:r>
-              <a:rPr/>
-              <a:t> </a:t>
-            </a:r>
-            <a:r>
-              <a:rPr/>
-              <a:t>Data</a:t>
+              <a:t>Workshop</a:t>
+            </a:r>
+            <a:r>
+              <a:rPr/>
+              <a:t> </a:t>
+            </a:r>
+            <a:r>
+              <a:rPr/>
+              <a:t>layout</a:t>
             </a:r>
           </a:p>
         </p:txBody>
@@ -5501,56 +5462,35 @@
             <a:pPr lvl="1"/>
             <a:r>
               <a:rPr/>
-              <a:t>We use the Critical Care Health Informatics Collaborative dataset.</a:t>
+              <a:t>8 workshops.</a:t>
             </a:r>
           </a:p>
           <a:p>
             <a:pPr lvl="1"/>
             <a:r>
               <a:rPr/>
-              <a:t>Multicentre Adult ITU database</a:t>
-            </a:r>
-          </a:p>
-          <a:p>
-            <a:pPr lvl="2"/>
-            <a:r>
-              <a:rPr/>
-              <a:t>11 adult ICUs</a:t>
-            </a:r>
-          </a:p>
-          <a:p>
-            <a:pPr lvl="2"/>
-            <a:r>
-              <a:rPr/>
-              <a:t>5 UK teaching hospitals</a:t>
-            </a:r>
-          </a:p>
-          <a:p>
-            <a:pPr lvl="2"/>
-            <a:r>
-              <a:rPr/>
-              <a:t>Privacy ensured through “highest standards of data security”</a:t>
-            </a:r>
-          </a:p>
-          <a:p>
-            <a:pPr lvl="2"/>
-            <a:r>
-              <a:rPr/>
-              <a:t>18, 074 unique patients</a:t>
-            </a:r>
-          </a:p>
-          <a:p>
-            <a:pPr lvl="2"/>
-            <a:r>
-              <a:rPr/>
-              <a:t>Each with median 1030 time varying measurements (rows)</a:t>
+              <a:t>These include presentations and chances for you to follow along on your laptops.</a:t>
             </a:r>
           </a:p>
           <a:p>
             <a:pPr lvl="1"/>
             <a:r>
               <a:rPr/>
-              <a:t>You will be using a synthetic dataset structured in a simillar format to the CCHIC data.</a:t>
+              <a:t>You work your way through a worksheet during Workshop 2.</a:t>
+            </a:r>
+          </a:p>
+          <a:p>
+            <a:pPr lvl="1"/>
+            <a:r>
+              <a:rPr/>
+              <a:t>You try to answer a question of your own using data during Workshop 8.</a:t>
+            </a:r>
+          </a:p>
+          <a:p>
+            <a:pPr lvl="1"/>
+            <a:r>
+              <a:rPr/>
+              <a:t>A pdf file will be uploaded to the Slack channel after this presentation. It contains all of the content from the course workshops for future reference.</a:t>
             </a:r>
           </a:p>
         </p:txBody>
@@ -5603,15 +5543,55 @@
             </a:pPr>
             <a:r>
               <a:rPr/>
-              <a:t>Workshop</a:t>
-            </a:r>
-            <a:r>
-              <a:rPr/>
-              <a:t> </a:t>
-            </a:r>
-            <a:r>
-              <a:rPr/>
-              <a:t>layout</a:t>
+              <a:t>Final</a:t>
+            </a:r>
+            <a:r>
+              <a:rPr/>
+              <a:t> </a:t>
+            </a:r>
+            <a:r>
+              <a:rPr/>
+              <a:t>note</a:t>
+            </a:r>
+            <a:r>
+              <a:rPr/>
+              <a:t> </a:t>
+            </a:r>
+            <a:r>
+              <a:rPr/>
+              <a:t>-</a:t>
+            </a:r>
+            <a:r>
+              <a:rPr/>
+              <a:t> </a:t>
+            </a:r>
+            <a:r>
+              <a:rPr/>
+              <a:t>tips</a:t>
+            </a:r>
+            <a:r>
+              <a:rPr/>
+              <a:t> </a:t>
+            </a:r>
+            <a:r>
+              <a:rPr/>
+              <a:t>on</a:t>
+            </a:r>
+            <a:r>
+              <a:rPr/>
+              <a:t> </a:t>
+            </a:r>
+            <a:r>
+              <a:rPr/>
+              <a:t>writing</a:t>
+            </a:r>
+            <a:r>
+              <a:rPr/>
+              <a:t> </a:t>
+            </a:r>
+            <a:r>
+              <a:rPr/>
+              <a:t>code</a:t>
             </a:r>
           </a:p>
         </p:txBody>
@@ -5640,35 +5620,89 @@
             <a:pPr lvl="1"/>
             <a:r>
               <a:rPr/>
-              <a:t>7 workshops.</a:t>
+              <a:t>Save your work frequently!</a:t>
             </a:r>
           </a:p>
           <a:p>
             <a:pPr lvl="1"/>
             <a:r>
               <a:rPr/>
-              <a:t>5 of these include a presentation and chances for you to follow along on your laptops.</a:t>
+              <a:t>It takes a while to get the hang of writing code.</a:t>
             </a:r>
           </a:p>
           <a:p>
             <a:pPr lvl="1"/>
             <a:r>
               <a:rPr/>
-              <a:t>You work your way through a worksheet during Workshop 2.</a:t>
+              <a:t>Be mindful as you type code out.</a:t>
+            </a:r>
+          </a:p>
+          <a:p>
+            <a:pPr lvl="2"/>
+            <a:r>
+              <a:rPr/>
+              <a:t>Check your punctuation (e.g. placement of </a:t>
+            </a:r>
+            <a:r>
+              <a:rPr sz="1800">
+                <a:latin typeface="Courier"/>
+              </a:rPr>
+              <a:t>()</a:t>
+            </a:r>
+            <a:r>
+              <a:rPr/>
+              <a:t> or </a:t>
+            </a:r>
+            <a:r>
+              <a:rPr sz="1800">
+                <a:latin typeface="Courier"/>
+              </a:rPr>
+              <a:t>,</a:t>
+            </a:r>
+            <a:r>
+              <a:rPr/>
+              <a:t>).</a:t>
+            </a:r>
+          </a:p>
+          <a:p>
+            <a:pPr lvl="2"/>
+            <a:r>
+              <a:rPr/>
+              <a:t>Capitalisation matters (e.g. </a:t>
+            </a:r>
+            <a:r>
+              <a:rPr sz="1800">
+                <a:latin typeface="Courier"/>
+              </a:rPr>
+              <a:t>Data</a:t>
+            </a:r>
+            <a:r>
+              <a:rPr/>
+              <a:t> vs </a:t>
+            </a:r>
+            <a:r>
+              <a:rPr sz="1800">
+                <a:latin typeface="Courier"/>
+              </a:rPr>
+              <a:t>data</a:t>
+            </a:r>
+            <a:r>
+              <a:rPr/>
+              <a:t>).</a:t>
             </a:r>
           </a:p>
           <a:p>
             <a:pPr lvl="1"/>
             <a:r>
               <a:rPr/>
-              <a:t>You try to answer a question of your own using data during Workshop 7.</a:t>
+              <a:t>Google is your friend.</a:t>
             </a:r>
           </a:p>
           <a:p>
             <a:pPr lvl="1"/>
             <a:r>
               <a:rPr/>
-              <a:t>A pdf file will be uploaded to the Slack channel after this presentation. It contains all of the content from the course workshops for future reference.</a:t>
+              <a:t>Tell us if you spot any errors we’ve made!</a:t>
             </a:r>
           </a:p>
         </p:txBody>

--- a/Workshops/WelcomePresentation.pptx
+++ b/Workshops/WelcomePresentation.pptx
@@ -206,7 +206,7 @@
           <a:p>
             <a:fld id="{0F9C1CCF-B725-44A7-AA57-5E433BD85C9F}" type="datetimeFigureOut">
               <a:rPr lang="en-US" smtClean="0"/>
-              <a:t>2/17/2018</a:t>
+              <a:t>4/5/2019</a:t>
             </a:fld>
             <a:endParaRPr lang="en-US"/>
           </a:p>
@@ -4694,7 +4694,7 @@
       </p:grpSpPr>
       <p:pic>
         <p:nvPicPr>
-          <p:cNvPr descr="../Images/Clinician%20Coders%20Branding_FINAL_CMYK_Colour.png" id="0" name="Picture 1"/>
+          <p:cNvPr descr="../Images/ClinicianCodersBranding_FINAL_CMYK_Colour.png" id="0" name="Picture 1"/>
           <p:cNvPicPr>
             <a:picLocks noGrp="1" noChangeAspect="1"/>
           </p:cNvPicPr>
@@ -5490,7 +5490,17 @@
             <a:pPr lvl="1"/>
             <a:r>
               <a:rPr/>
-              <a:t>A pdf file will be uploaded to the Slack channel after this presentation. It contains all of the content from the course workshops for future reference.</a:t>
+              <a:t>A pdf file is available on the GitHub: </a:t>
+            </a:r>
+            <a:r>
+              <a:rPr>
+                <a:hlinkClick r:id="rId2"/>
+              </a:rPr>
+              <a:t>https://github.com/datascibc/ClinicianCoders/blob/master/Handout.pdf</a:t>
+            </a:r>
+            <a:r>
+              <a:rPr/>
+              <a:t>. It contains all of the content from the course workshops for future reference.</a:t>
             </a:r>
           </a:p>
         </p:txBody>
@@ -5644,7 +5654,7 @@
               <a:t>Check your punctuation (e.g. placement of </a:t>
             </a:r>
             <a:r>
-              <a:rPr sz="1800">
+              <a:rPr>
                 <a:latin typeface="Courier"/>
               </a:rPr>
               <a:t>()</a:t>
@@ -5654,7 +5664,7 @@
               <a:t> or </a:t>
             </a:r>
             <a:r>
-              <a:rPr sz="1800">
+              <a:rPr>
                 <a:latin typeface="Courier"/>
               </a:rPr>
               <a:t>,</a:t>
@@ -5668,10 +5678,10 @@
             <a:pPr lvl="2"/>
             <a:r>
               <a:rPr/>
-              <a:t>Capitalisation matters (e.g. </a:t>
-            </a:r>
-            <a:r>
-              <a:rPr sz="1800">
+              <a:t>Capitalisation matters (e.g. </a:t>
+            </a:r>
+            <a:r>
+              <a:rPr>
                 <a:latin typeface="Courier"/>
               </a:rPr>
               <a:t>Data</a:t>
@@ -5681,7 +5691,7 @@
               <a:t> vs </a:t>
             </a:r>
             <a:r>
-              <a:rPr sz="1800">
+              <a:rPr>
                 <a:latin typeface="Courier"/>
               </a:rPr>
               <a:t>data</a:t>
